--- a/teaching/cs513-autocps-fall-2025/slides/DynamicalSystems.pptx.pptx
+++ b/teaching/cs513-autocps-fall-2025/slides/DynamicalSystems.pptx.pptx
@@ -284,7 +284,7 @@
           <a:p>
             <a:fld id="{67A3F3DB-A97F-42A8-8666-E7552CF620C9}" type="datetimeFigureOut">
               <a:rPr lang="en-US" smtClean="0"/>
-              <a:t>9/11/2023</a:t>
+              <a:t>9/8/2025</a:t>
             </a:fld>
             <a:endParaRPr lang="en-US"/>
           </a:p>
@@ -482,7 +482,7 @@
           <a:p>
             <a:fld id="{67A3F3DB-A97F-42A8-8666-E7552CF620C9}" type="datetimeFigureOut">
               <a:rPr lang="en-US" smtClean="0"/>
-              <a:t>9/11/2023</a:t>
+              <a:t>9/8/2025</a:t>
             </a:fld>
             <a:endParaRPr lang="en-US"/>
           </a:p>
@@ -690,7 +690,7 @@
           <a:p>
             <a:fld id="{67A3F3DB-A97F-42A8-8666-E7552CF620C9}" type="datetimeFigureOut">
               <a:rPr lang="en-US" smtClean="0"/>
-              <a:t>9/11/2023</a:t>
+              <a:t>9/8/2025</a:t>
             </a:fld>
             <a:endParaRPr lang="en-US"/>
           </a:p>
@@ -990,7 +990,7 @@
           <p:nvPr userDrawn="1"/>
         </p:nvPicPr>
         <mc:AlternateContent xmlns:mc="http://schemas.openxmlformats.org/markup-compatibility/2006">
-          <mc:Choice xmlns:ma="http://schemas.microsoft.com/office/mac/drawingml/2008/main" xmlns:mv="urn:schemas-microsoft-com:mac:vml" xmlns="" Requires="ma">
+          <mc:Choice xmlns="" xmlns:mv="urn:schemas-microsoft-com:mac:vml" xmlns:ma="http://schemas.microsoft.com/office/mac/drawingml/2008/main" Requires="ma">
             <p:blipFill>
               <a:blip r:embed="rId3"/>
               <a:stretch>
@@ -1245,7 +1245,7 @@
           <a:p>
             <a:fld id="{67A3F3DB-A97F-42A8-8666-E7552CF620C9}" type="datetimeFigureOut">
               <a:rPr lang="en-US" smtClean="0"/>
-              <a:t>9/11/2023</a:t>
+              <a:t>9/8/2025</a:t>
             </a:fld>
             <a:endParaRPr lang="en-US"/>
           </a:p>
@@ -1520,7 +1520,7 @@
           <a:p>
             <a:fld id="{67A3F3DB-A97F-42A8-8666-E7552CF620C9}" type="datetimeFigureOut">
               <a:rPr lang="en-US" smtClean="0"/>
-              <a:t>9/11/2023</a:t>
+              <a:t>9/8/2025</a:t>
             </a:fld>
             <a:endParaRPr lang="en-US"/>
           </a:p>
@@ -1785,7 +1785,7 @@
           <a:p>
             <a:fld id="{67A3F3DB-A97F-42A8-8666-E7552CF620C9}" type="datetimeFigureOut">
               <a:rPr lang="en-US" smtClean="0"/>
-              <a:t>9/11/2023</a:t>
+              <a:t>9/8/2025</a:t>
             </a:fld>
             <a:endParaRPr lang="en-US"/>
           </a:p>
@@ -2197,7 +2197,7 @@
           <a:p>
             <a:fld id="{67A3F3DB-A97F-42A8-8666-E7552CF620C9}" type="datetimeFigureOut">
               <a:rPr lang="en-US" smtClean="0"/>
-              <a:t>9/11/2023</a:t>
+              <a:t>9/8/2025</a:t>
             </a:fld>
             <a:endParaRPr lang="en-US"/>
           </a:p>
@@ -2338,7 +2338,7 @@
           <a:p>
             <a:fld id="{67A3F3DB-A97F-42A8-8666-E7552CF620C9}" type="datetimeFigureOut">
               <a:rPr lang="en-US" smtClean="0"/>
-              <a:t>9/11/2023</a:t>
+              <a:t>9/8/2025</a:t>
             </a:fld>
             <a:endParaRPr lang="en-US"/>
           </a:p>
@@ -2451,7 +2451,7 @@
           <a:p>
             <a:fld id="{67A3F3DB-A97F-42A8-8666-E7552CF620C9}" type="datetimeFigureOut">
               <a:rPr lang="en-US" smtClean="0"/>
-              <a:t>9/11/2023</a:t>
+              <a:t>9/8/2025</a:t>
             </a:fld>
             <a:endParaRPr lang="en-US"/>
           </a:p>
@@ -2762,7 +2762,7 @@
           <a:p>
             <a:fld id="{67A3F3DB-A97F-42A8-8666-E7552CF620C9}" type="datetimeFigureOut">
               <a:rPr lang="en-US" smtClean="0"/>
-              <a:t>9/11/2023</a:t>
+              <a:t>9/8/2025</a:t>
             </a:fld>
             <a:endParaRPr lang="en-US"/>
           </a:p>
@@ -3050,7 +3050,7 @@
           <a:p>
             <a:fld id="{67A3F3DB-A97F-42A8-8666-E7552CF620C9}" type="datetimeFigureOut">
               <a:rPr lang="en-US" smtClean="0"/>
-              <a:t>9/11/2023</a:t>
+              <a:t>9/8/2025</a:t>
             </a:fld>
             <a:endParaRPr lang="en-US"/>
           </a:p>
@@ -3291,7 +3291,7 @@
           <a:p>
             <a:fld id="{67A3F3DB-A97F-42A8-8666-E7552CF620C9}" type="datetimeFigureOut">
               <a:rPr lang="en-US" smtClean="0"/>
-              <a:t>9/11/2023</a:t>
+              <a:t>9/8/2025</a:t>
             </a:fld>
             <a:endParaRPr lang="en-US"/>
           </a:p>
@@ -3775,7 +3775,7 @@
           <a:p>
             <a:r>
               <a:rPr lang="en-US" dirty="0"/>
-              <a:t>Fall 2023. CS 513.</a:t>
+              <a:t>Fall 2025. CS 513.</a:t>
             </a:r>
           </a:p>
           <a:p>
@@ -7150,8 +7150,8 @@
           <a:chExt cx="0" cy="0"/>
         </a:xfrm>
       </p:grpSpPr>
-      <mc:AlternateContent xmlns:mc="http://schemas.openxmlformats.org/markup-compatibility/2006">
-        <mc:Choice xmlns:a14="http://schemas.microsoft.com/office/drawing/2010/main" Requires="a14">
+      <mc:AlternateContent xmlns:mc="http://schemas.openxmlformats.org/markup-compatibility/2006" xmlns:a14="http://schemas.microsoft.com/office/drawing/2010/main">
+        <mc:Choice Requires="a14">
           <p:sp>
             <p:nvSpPr>
               <p:cNvPr id="2" name="Content Placeholder 1">
@@ -7648,7 +7648,7 @@
             </p:txBody>
           </p:sp>
         </mc:Choice>
-        <mc:Fallback>
+        <mc:Fallback xmlns="">
           <p:sp>
             <p:nvSpPr>
               <p:cNvPr id="2" name="Content Placeholder 1">
